--- a/0000.Project/Resources/(수정중)게임개발서-스피리추얼 소울(Spiritual Soul ).pptx
+++ b/0000.Project/Resources/(수정중)게임개발서-스피리추얼 소울(Spiritual Soul ).pptx
@@ -134,10 +134,10 @@
   </p:defaultTextStyle>
   <p:extLst>
     <p:ext uri="{EFAFB233-063F-42B5-8137-9DF3F51BA10A}">
-      <p15:sldGuideLst xmlns:p15="http://schemas.microsoft.com/office/powerpoint/2012/main" xmlns=""/>
+      <p15:sldGuideLst xmlns="" xmlns:p15="http://schemas.microsoft.com/office/powerpoint/2012/main"/>
     </p:ext>
     <p:ext uri="{2D200454-40CA-4A62-9FC3-DE9A4176ACB9}">
-      <p15:notesGuideLst xmlns:p15="http://schemas.microsoft.com/office/powerpoint/2012/main" xmlns=""/>
+      <p15:notesGuideLst xmlns="" xmlns:p15="http://schemas.microsoft.com/office/powerpoint/2012/main"/>
     </p:ext>
   </p:extLst>
 </p:presentation>
@@ -225,7 +225,7 @@
           <a:p>
             <a:fld id="{33FFB0A5-E464-4FED-937D-0FD2E9BE3530}" type="datetimeFigureOut">
               <a:rPr lang="ko-KR" altLang="en-US" smtClean="0"/>
-              <a:t>2016-04-23</a:t>
+              <a:t>2016-04-26</a:t>
             </a:fld>
             <a:endParaRPr lang="ko-KR" altLang="en-US"/>
           </a:p>
@@ -390,7 +390,7 @@
           <a:p>
             <a:fld id="{8204EF90-8510-4A76-8C9B-C5771195EFC0}" type="datetimeFigureOut">
               <a:rPr lang="ko-KR" altLang="en-US" smtClean="0"/>
-              <a:t>2016-04-23</a:t>
+              <a:t>2016-04-26</a:t>
             </a:fld>
             <a:endParaRPr lang="ko-KR" altLang="en-US"/>
           </a:p>
@@ -957,7 +957,7 @@
           <a:p>
             <a:fld id="{2A685788-815C-4C47-AEE8-EB970FC82FC8}" type="datetimeFigureOut">
               <a:rPr lang="ko-KR" altLang="en-US" smtClean="0"/>
-              <a:t>2016-04-23</a:t>
+              <a:t>2016-04-26</a:t>
             </a:fld>
             <a:endParaRPr lang="ko-KR" altLang="en-US"/>
           </a:p>
@@ -1217,7 +1217,7 @@
           <a:p>
             <a:fld id="{2A685788-815C-4C47-AEE8-EB970FC82FC8}" type="datetimeFigureOut">
               <a:rPr lang="ko-KR" altLang="en-US" smtClean="0"/>
-              <a:t>2016-04-23</a:t>
+              <a:t>2016-04-26</a:t>
             </a:fld>
             <a:endParaRPr lang="ko-KR" altLang="en-US"/>
           </a:p>
@@ -1397,7 +1397,7 @@
           <a:p>
             <a:fld id="{2A685788-815C-4C47-AEE8-EB970FC82FC8}" type="datetimeFigureOut">
               <a:rPr lang="ko-KR" altLang="en-US" smtClean="0"/>
-              <a:t>2016-04-23</a:t>
+              <a:t>2016-04-26</a:t>
             </a:fld>
             <a:endParaRPr lang="ko-KR" altLang="en-US"/>
           </a:p>
@@ -1567,7 +1567,7 @@
           <a:p>
             <a:fld id="{2A685788-815C-4C47-AEE8-EB970FC82FC8}" type="datetimeFigureOut">
               <a:rPr lang="ko-KR" altLang="en-US" smtClean="0"/>
-              <a:t>2016-04-23</a:t>
+              <a:t>2016-04-26</a:t>
             </a:fld>
             <a:endParaRPr lang="ko-KR" altLang="en-US"/>
           </a:p>
@@ -1857,7 +1857,7 @@
           <a:p>
             <a:fld id="{2A685788-815C-4C47-AEE8-EB970FC82FC8}" type="datetimeFigureOut">
               <a:rPr lang="ko-KR" altLang="en-US" smtClean="0"/>
-              <a:t>2016-04-23</a:t>
+              <a:t>2016-04-26</a:t>
             </a:fld>
             <a:endParaRPr lang="ko-KR" altLang="en-US"/>
           </a:p>
@@ -2089,7 +2089,7 @@
           <a:p>
             <a:fld id="{2A685788-815C-4C47-AEE8-EB970FC82FC8}" type="datetimeFigureOut">
               <a:rPr lang="ko-KR" altLang="en-US" smtClean="0"/>
-              <a:t>2016-04-23</a:t>
+              <a:t>2016-04-26</a:t>
             </a:fld>
             <a:endParaRPr lang="ko-KR" altLang="en-US"/>
           </a:p>
@@ -2456,7 +2456,7 @@
           <a:p>
             <a:fld id="{2A685788-815C-4C47-AEE8-EB970FC82FC8}" type="datetimeFigureOut">
               <a:rPr lang="ko-KR" altLang="en-US" smtClean="0"/>
-              <a:t>2016-04-23</a:t>
+              <a:t>2016-04-26</a:t>
             </a:fld>
             <a:endParaRPr lang="ko-KR" altLang="en-US"/>
           </a:p>
@@ -2574,7 +2574,7 @@
           <a:p>
             <a:fld id="{2A685788-815C-4C47-AEE8-EB970FC82FC8}" type="datetimeFigureOut">
               <a:rPr lang="ko-KR" altLang="en-US" smtClean="0"/>
-              <a:t>2016-04-23</a:t>
+              <a:t>2016-04-26</a:t>
             </a:fld>
             <a:endParaRPr lang="ko-KR" altLang="en-US"/>
           </a:p>
@@ -2669,7 +2669,7 @@
           <a:p>
             <a:fld id="{2A685788-815C-4C47-AEE8-EB970FC82FC8}" type="datetimeFigureOut">
               <a:rPr lang="ko-KR" altLang="en-US" smtClean="0"/>
-              <a:t>2016-04-23</a:t>
+              <a:t>2016-04-26</a:t>
             </a:fld>
             <a:endParaRPr lang="ko-KR" altLang="en-US"/>
           </a:p>
@@ -2992,7 +2992,7 @@
           <a:p>
             <a:fld id="{2A685788-815C-4C47-AEE8-EB970FC82FC8}" type="datetimeFigureOut">
               <a:rPr lang="ko-KR" altLang="en-US" smtClean="0"/>
-              <a:t>2016-04-23</a:t>
+              <a:t>2016-04-26</a:t>
             </a:fld>
             <a:endParaRPr lang="ko-KR" altLang="en-US"/>
           </a:p>
@@ -3249,7 +3249,7 @@
           <a:p>
             <a:fld id="{2A685788-815C-4C47-AEE8-EB970FC82FC8}" type="datetimeFigureOut">
               <a:rPr lang="ko-KR" altLang="en-US" smtClean="0"/>
-              <a:t>2016-04-23</a:t>
+              <a:t>2016-04-26</a:t>
             </a:fld>
             <a:endParaRPr lang="ko-KR" altLang="en-US"/>
           </a:p>
@@ -3462,7 +3462,7 @@
           <a:p>
             <a:fld id="{2A685788-815C-4C47-AEE8-EB970FC82FC8}" type="datetimeFigureOut">
               <a:rPr lang="ko-KR" altLang="en-US" smtClean="0"/>
-              <a:t>2016-04-23</a:t>
+              <a:t>2016-04-26</a:t>
             </a:fld>
             <a:endParaRPr lang="ko-KR" altLang="en-US"/>
           </a:p>
@@ -17416,7 +17416,7 @@
         </p:nvSpPr>
         <p:spPr>
           <a:xfrm>
-            <a:off x="2651760" y="3566143"/>
+            <a:off x="4671752" y="3566143"/>
             <a:ext cx="2003367" cy="307587"/>
           </a:xfrm>
           <a:prstGeom prst="rect">
@@ -17476,7 +17476,7 @@
         </p:nvSpPr>
         <p:spPr>
           <a:xfrm>
-            <a:off x="2651760" y="4139721"/>
+            <a:off x="4671752" y="4139721"/>
             <a:ext cx="615141" cy="307587"/>
           </a:xfrm>
           <a:prstGeom prst="rect">
@@ -17536,7 +17536,7 @@
         </p:nvSpPr>
         <p:spPr>
           <a:xfrm>
-            <a:off x="4655127" y="4696674"/>
+            <a:off x="2618509" y="4696674"/>
             <a:ext cx="2011680" cy="307587"/>
           </a:xfrm>
           <a:prstGeom prst="rect">
@@ -21733,6 +21733,205 @@
               <a:latin typeface="+mj-ea"/>
               <a:ea typeface="+mj-ea"/>
             </a:endParaRPr>
+          </a:p>
+        </p:txBody>
+      </p:sp>
+      <p:sp>
+        <p:nvSpPr>
+          <p:cNvPr id="4" name="TextBox 3"/>
+          <p:cNvSpPr txBox="1"/>
+          <p:nvPr/>
+        </p:nvSpPr>
+        <p:spPr>
+          <a:xfrm>
+            <a:off x="2288746" y="-931024"/>
+            <a:ext cx="4014107" cy="1862048"/>
+          </a:xfrm>
+          <a:prstGeom prst="rect">
+            <a:avLst/>
+          </a:prstGeom>
+          <a:noFill/>
+        </p:spPr>
+        <p:txBody>
+          <a:bodyPr wrap="square" rtlCol="0">
+            <a:spAutoFit/>
+          </a:bodyPr>
+          <a:lstStyle/>
+          <a:p>
+            <a:r>
+              <a:rPr lang="en-US" altLang="ko-KR" sz="11500" b="1" dirty="0" smtClean="0">
+                <a:ln w="17780" cmpd="sng">
+                  <a:solidFill>
+                    <a:srgbClr val="FFFFFF"/>
+                  </a:solidFill>
+                  <a:prstDash val="solid"/>
+                  <a:miter lim="800000"/>
+                </a:ln>
+                <a:gradFill rotWithShape="1">
+                  <a:gsLst>
+                    <a:gs pos="0">
+                      <a:srgbClr val="000000">
+                        <a:tint val="92000"/>
+                        <a:shade val="100000"/>
+                        <a:satMod val="150000"/>
+                      </a:srgbClr>
+                    </a:gs>
+                    <a:gs pos="49000">
+                      <a:srgbClr val="000000">
+                        <a:tint val="89000"/>
+                        <a:shade val="90000"/>
+                        <a:satMod val="150000"/>
+                      </a:srgbClr>
+                    </a:gs>
+                    <a:gs pos="50000">
+                      <a:srgbClr val="000000">
+                        <a:tint val="100000"/>
+                        <a:shade val="75000"/>
+                        <a:satMod val="150000"/>
+                      </a:srgbClr>
+                    </a:gs>
+                    <a:gs pos="95000">
+                      <a:srgbClr val="000000">
+                        <a:shade val="47000"/>
+                        <a:satMod val="150000"/>
+                      </a:srgbClr>
+                    </a:gs>
+                    <a:gs pos="100000">
+                      <a:srgbClr val="000000">
+                        <a:shade val="39000"/>
+                        <a:satMod val="150000"/>
+                      </a:srgbClr>
+                    </a:gs>
+                  </a:gsLst>
+                  <a:lin ang="5400000"/>
+                </a:gradFill>
+                <a:effectLst>
+                  <a:outerShdw blurRad="50800" algn="tl" rotWithShape="0">
+                    <a:srgbClr val="000000"/>
+                  </a:outerShdw>
+                </a:effectLst>
+              </a:rPr>
+              <a:t>BACK</a:t>
+            </a:r>
+            <a:endParaRPr lang="ko-KR" altLang="en-US" sz="11500" b="1" dirty="0">
+              <a:ln w="17780" cmpd="sng">
+                <a:solidFill>
+                  <a:srgbClr val="FFFFFF"/>
+                </a:solidFill>
+                <a:prstDash val="solid"/>
+                <a:miter lim="800000"/>
+              </a:ln>
+              <a:gradFill rotWithShape="1">
+                <a:gsLst>
+                  <a:gs pos="0">
+                    <a:srgbClr val="000000">
+                      <a:tint val="92000"/>
+                      <a:shade val="100000"/>
+                      <a:satMod val="150000"/>
+                    </a:srgbClr>
+                  </a:gs>
+                  <a:gs pos="49000">
+                    <a:srgbClr val="000000">
+                      <a:tint val="89000"/>
+                      <a:shade val="90000"/>
+                      <a:satMod val="150000"/>
+                    </a:srgbClr>
+                  </a:gs>
+                  <a:gs pos="50000">
+                    <a:srgbClr val="000000">
+                      <a:tint val="100000"/>
+                      <a:shade val="75000"/>
+                      <a:satMod val="150000"/>
+                    </a:srgbClr>
+                  </a:gs>
+                  <a:gs pos="95000">
+                    <a:srgbClr val="000000">
+                      <a:shade val="47000"/>
+                      <a:satMod val="150000"/>
+                    </a:srgbClr>
+                  </a:gs>
+                  <a:gs pos="100000">
+                    <a:srgbClr val="000000">
+                      <a:shade val="39000"/>
+                      <a:satMod val="150000"/>
+                    </a:srgbClr>
+                  </a:gs>
+                </a:gsLst>
+                <a:lin ang="5400000"/>
+              </a:gradFill>
+              <a:effectLst>
+                <a:outerShdw blurRad="50800" algn="tl" rotWithShape="0">
+                  <a:srgbClr val="000000"/>
+                </a:outerShdw>
+              </a:effectLst>
+            </a:endParaRPr>
+          </a:p>
+        </p:txBody>
+      </p:sp>
+      <p:sp>
+        <p:nvSpPr>
+          <p:cNvPr id="8" name="오른쪽 화살표 7"/>
+          <p:cNvSpPr/>
+          <p:nvPr/>
+        </p:nvSpPr>
+        <p:spPr>
+          <a:xfrm rot="10800000">
+            <a:off x="2506008" y="-1499351"/>
+            <a:ext cx="3077910" cy="1003300"/>
+          </a:xfrm>
+          <a:prstGeom prst="rightArrow">
+            <a:avLst>
+              <a:gd name="adj1" fmla="val 29747"/>
+              <a:gd name="adj2" fmla="val 60400"/>
+            </a:avLst>
+          </a:prstGeom>
+          <a:gradFill>
+            <a:gsLst>
+              <a:gs pos="19000">
+                <a:schemeClr val="tx1"/>
+              </a:gs>
+              <a:gs pos="100000">
+                <a:schemeClr val="bg1"/>
+              </a:gs>
+            </a:gsLst>
+            <a:lin ang="5400000" scaled="0"/>
+          </a:gradFill>
+          <a:ln w="19050">
+            <a:solidFill>
+              <a:schemeClr val="bg1"/>
+            </a:solidFill>
+          </a:ln>
+          <a:effectLst>
+            <a:glow rad="228600">
+              <a:schemeClr val="accent1">
+                <a:satMod val="175000"/>
+                <a:alpha val="40000"/>
+              </a:schemeClr>
+            </a:glow>
+          </a:effectLst>
+        </p:spPr>
+        <p:style>
+          <a:lnRef idx="2">
+            <a:schemeClr val="accent1">
+              <a:shade val="50000"/>
+            </a:schemeClr>
+          </a:lnRef>
+          <a:fillRef idx="1">
+            <a:schemeClr val="accent1"/>
+          </a:fillRef>
+          <a:effectRef idx="0">
+            <a:schemeClr val="accent1"/>
+          </a:effectRef>
+          <a:fontRef idx="minor">
+            <a:schemeClr val="lt1"/>
+          </a:fontRef>
+        </p:style>
+        <p:txBody>
+          <a:bodyPr rtlCol="0" anchor="ctr"/>
+          <a:lstStyle/>
+          <a:p>
+            <a:pPr algn="ctr"/>
+            <a:endParaRPr lang="ko-KR" altLang="en-US"/>
           </a:p>
         </p:txBody>
       </p:sp>
@@ -22563,7 +22762,7 @@
   <a:extraClrSchemeLst/>
   <a:extLst>
     <a:ext uri="{05A4C25C-085E-4340-85A3-A5531E510DB2}">
-      <thm15:themeFamily xmlns:thm15="http://schemas.microsoft.com/office/thememl/2012/main" xmlns="" name="Office Theme" id="{62F939B6-93AF-4DB8-9C6B-D6C7DFDC589F}" vid="{4A3C46E8-61CC-4603-A589-7422A47A8E4A}"/>
+      <thm15:themeFamily xmlns="" xmlns:thm15="http://schemas.microsoft.com/office/thememl/2012/main" name="Office Theme" id="{62F939B6-93AF-4DB8-9C6B-D6C7DFDC589F}" vid="{4A3C46E8-61CC-4603-A589-7422A47A8E4A}"/>
     </a:ext>
   </a:extLst>
 </a:theme>
@@ -22824,7 +23023,7 @@
   <a:extraClrSchemeLst/>
   <a:extLst>
     <a:ext uri="{05A4C25C-085E-4340-85A3-A5531E510DB2}">
-      <thm15:themeFamily xmlns:thm15="http://schemas.microsoft.com/office/thememl/2012/main" xmlns="" name="Office Theme" id="{62F939B6-93AF-4DB8-9C6B-D6C7DFDC589F}" vid="{4A3C46E8-61CC-4603-A589-7422A47A8E4A}"/>
+      <thm15:themeFamily xmlns="" xmlns:thm15="http://schemas.microsoft.com/office/thememl/2012/main" name="Office Theme" id="{62F939B6-93AF-4DB8-9C6B-D6C7DFDC589F}" vid="{4A3C46E8-61CC-4603-A589-7422A47A8E4A}"/>
     </a:ext>
   </a:extLst>
 </a:theme>
@@ -23085,7 +23284,7 @@
   <a:extraClrSchemeLst/>
   <a:extLst>
     <a:ext uri="{05A4C25C-085E-4340-85A3-A5531E510DB2}">
-      <thm15:themeFamily xmlns:thm15="http://schemas.microsoft.com/office/thememl/2012/main" xmlns="" name="Office Theme" id="{62F939B6-93AF-4DB8-9C6B-D6C7DFDC589F}" vid="{4A3C46E8-61CC-4603-A589-7422A47A8E4A}"/>
+      <thm15:themeFamily xmlns="" xmlns:thm15="http://schemas.microsoft.com/office/thememl/2012/main" name="Office Theme" id="{62F939B6-93AF-4DB8-9C6B-D6C7DFDC589F}" vid="{4A3C46E8-61CC-4603-A589-7422A47A8E4A}"/>
     </a:ext>
   </a:extLst>
 </a:theme>
